--- a/ppt 16-9/0240.主啊我怎不爱祢.pptx
+++ b/ppt 16-9/0240.主啊我怎不爱祢.pptx
@@ -5,7 +5,7 @@
     <p:sldMasterId id="2147483648" r:id="rId1"/>
   </p:sldMasterIdLst>
   <p:sldIdLst>
-    <p:sldId id="3075" r:id="rId2"/>
+    <p:sldId id="3077" r:id="rId2"/>
   </p:sldIdLst>
   <p:sldSz cx="12192000" cy="6858000"/>
   <p:notesSz cx="6858000" cy="9144000"/>
@@ -129,7 +129,7 @@
           <p:cNvPr id="2" name="标题 1">
             <a:extLst>
               <a:ext uri="{FF2B5EF4-FFF2-40B4-BE49-F238E27FC236}">
-                <a16:creationId xmlns:a16="http://schemas.microsoft.com/office/drawing/2014/main" id="{723BDC52-E9FF-F3D2-F513-4DBDC73B335D}"/>
+                <a16:creationId xmlns:a16="http://schemas.microsoft.com/office/drawing/2014/main" id="{92A546E8-9D5B-6286-673B-FD2FFE756934}"/>
               </a:ext>
             </a:extLst>
           </p:cNvPr>
@@ -166,7 +166,7 @@
           <p:cNvPr id="3" name="副标题 2">
             <a:extLst>
               <a:ext uri="{FF2B5EF4-FFF2-40B4-BE49-F238E27FC236}">
-                <a16:creationId xmlns:a16="http://schemas.microsoft.com/office/drawing/2014/main" id="{5CDFB9BC-2FE4-D402-D9E4-41A12E4FED53}"/>
+                <a16:creationId xmlns:a16="http://schemas.microsoft.com/office/drawing/2014/main" id="{AF170BC0-EA98-F1C6-82F3-C04BC9AD9A88}"/>
               </a:ext>
             </a:extLst>
           </p:cNvPr>
@@ -236,7 +236,7 @@
           <p:cNvPr id="4" name="日期占位符 3">
             <a:extLst>
               <a:ext uri="{FF2B5EF4-FFF2-40B4-BE49-F238E27FC236}">
-                <a16:creationId xmlns:a16="http://schemas.microsoft.com/office/drawing/2014/main" id="{B2F495A6-F6DD-5656-A19E-96C40ECD06E9}"/>
+                <a16:creationId xmlns:a16="http://schemas.microsoft.com/office/drawing/2014/main" id="{F7505644-C8B5-D5CA-A7EA-6BB1DFA81B82}"/>
               </a:ext>
             </a:extLst>
           </p:cNvPr>
@@ -252,7 +252,7 @@
           <a:bodyPr/>
           <a:lstStyle/>
           <a:p>
-            <a:fld id="{CF717FDB-0BBE-4525-8D7A-E939E5DBAE03}" type="datetimeFigureOut">
+            <a:fld id="{33EBD808-3CA6-4A49-9D66-320717FDDD41}" type="datetimeFigureOut">
               <a:rPr lang="zh-CN" altLang="en-US" smtClean="0"/>
               <a:t>2024/3/10</a:t>
             </a:fld>
@@ -265,7 +265,7 @@
           <p:cNvPr id="5" name="页脚占位符 4">
             <a:extLst>
               <a:ext uri="{FF2B5EF4-FFF2-40B4-BE49-F238E27FC236}">
-                <a16:creationId xmlns:a16="http://schemas.microsoft.com/office/drawing/2014/main" id="{CE1E1B53-4215-4C1D-CEE4-B1ADD1081C63}"/>
+                <a16:creationId xmlns:a16="http://schemas.microsoft.com/office/drawing/2014/main" id="{02B58150-AF07-1B73-99A8-665391B1456E}"/>
               </a:ext>
             </a:extLst>
           </p:cNvPr>
@@ -290,7 +290,7 @@
           <p:cNvPr id="6" name="灯片编号占位符 5">
             <a:extLst>
               <a:ext uri="{FF2B5EF4-FFF2-40B4-BE49-F238E27FC236}">
-                <a16:creationId xmlns:a16="http://schemas.microsoft.com/office/drawing/2014/main" id="{B22A6BE5-2902-6053-9986-4F0F6F6665BD}"/>
+                <a16:creationId xmlns:a16="http://schemas.microsoft.com/office/drawing/2014/main" id="{F331CE1E-7DD6-D437-D4D9-F2267B6CAED7}"/>
               </a:ext>
             </a:extLst>
           </p:cNvPr>
@@ -306,7 +306,7 @@
           <a:bodyPr/>
           <a:lstStyle/>
           <a:p>
-            <a:fld id="{B856E406-E4B2-4FE2-9753-42377879A678}" type="slidenum">
+            <a:fld id="{A58D1AB9-6FBA-4083-83EF-C28E20606D44}" type="slidenum">
               <a:rPr lang="zh-CN" altLang="en-US" smtClean="0"/>
               <a:t>‹#›</a:t>
             </a:fld>
@@ -317,7 +317,7 @@
     </p:spTree>
     <p:extLst>
       <p:ext uri="{BB962C8B-B14F-4D97-AF65-F5344CB8AC3E}">
-        <p14:creationId xmlns:p14="http://schemas.microsoft.com/office/powerpoint/2010/main" val="2230978636"/>
+        <p14:creationId xmlns:p14="http://schemas.microsoft.com/office/powerpoint/2010/main" val="1514885383"/>
       </p:ext>
     </p:extLst>
   </p:cSld>
@@ -349,7 +349,7 @@
           <p:cNvPr id="2" name="标题 1">
             <a:extLst>
               <a:ext uri="{FF2B5EF4-FFF2-40B4-BE49-F238E27FC236}">
-                <a16:creationId xmlns:a16="http://schemas.microsoft.com/office/drawing/2014/main" id="{F26F0CF3-F23F-7FA8-9C83-44EA20187236}"/>
+                <a16:creationId xmlns:a16="http://schemas.microsoft.com/office/drawing/2014/main" id="{2C8BBE83-BC57-D004-C2D8-0E282B7F42E0}"/>
               </a:ext>
             </a:extLst>
           </p:cNvPr>
@@ -377,7 +377,7 @@
           <p:cNvPr id="3" name="竖排文字占位符 2">
             <a:extLst>
               <a:ext uri="{FF2B5EF4-FFF2-40B4-BE49-F238E27FC236}">
-                <a16:creationId xmlns:a16="http://schemas.microsoft.com/office/drawing/2014/main" id="{B1454187-5165-010E-6A10-4899ABF7AB01}"/>
+                <a16:creationId xmlns:a16="http://schemas.microsoft.com/office/drawing/2014/main" id="{0E3B800B-79D9-76AF-1AFA-448D5A08006C}"/>
               </a:ext>
             </a:extLst>
           </p:cNvPr>
@@ -434,7 +434,7 @@
           <p:cNvPr id="4" name="日期占位符 3">
             <a:extLst>
               <a:ext uri="{FF2B5EF4-FFF2-40B4-BE49-F238E27FC236}">
-                <a16:creationId xmlns:a16="http://schemas.microsoft.com/office/drawing/2014/main" id="{84418B07-DDA2-E14B-91A7-1449334952E7}"/>
+                <a16:creationId xmlns:a16="http://schemas.microsoft.com/office/drawing/2014/main" id="{DD38A4FC-8B16-F583-B49E-D9A733805FC9}"/>
               </a:ext>
             </a:extLst>
           </p:cNvPr>
@@ -450,7 +450,7 @@
           <a:bodyPr/>
           <a:lstStyle/>
           <a:p>
-            <a:fld id="{CF717FDB-0BBE-4525-8D7A-E939E5DBAE03}" type="datetimeFigureOut">
+            <a:fld id="{33EBD808-3CA6-4A49-9D66-320717FDDD41}" type="datetimeFigureOut">
               <a:rPr lang="zh-CN" altLang="en-US" smtClean="0"/>
               <a:t>2024/3/10</a:t>
             </a:fld>
@@ -463,7 +463,7 @@
           <p:cNvPr id="5" name="页脚占位符 4">
             <a:extLst>
               <a:ext uri="{FF2B5EF4-FFF2-40B4-BE49-F238E27FC236}">
-                <a16:creationId xmlns:a16="http://schemas.microsoft.com/office/drawing/2014/main" id="{270DCD85-D02C-2F02-2C60-1E8A59F33B16}"/>
+                <a16:creationId xmlns:a16="http://schemas.microsoft.com/office/drawing/2014/main" id="{247D79E4-4E68-8B95-633C-980F8D6197E1}"/>
               </a:ext>
             </a:extLst>
           </p:cNvPr>
@@ -488,7 +488,7 @@
           <p:cNvPr id="6" name="灯片编号占位符 5">
             <a:extLst>
               <a:ext uri="{FF2B5EF4-FFF2-40B4-BE49-F238E27FC236}">
-                <a16:creationId xmlns:a16="http://schemas.microsoft.com/office/drawing/2014/main" id="{92251ADA-529E-36F2-D17A-DAF8C7947CAC}"/>
+                <a16:creationId xmlns:a16="http://schemas.microsoft.com/office/drawing/2014/main" id="{C69BFE64-940E-4459-A070-85572F802856}"/>
               </a:ext>
             </a:extLst>
           </p:cNvPr>
@@ -504,7 +504,7 @@
           <a:bodyPr/>
           <a:lstStyle/>
           <a:p>
-            <a:fld id="{B856E406-E4B2-4FE2-9753-42377879A678}" type="slidenum">
+            <a:fld id="{A58D1AB9-6FBA-4083-83EF-C28E20606D44}" type="slidenum">
               <a:rPr lang="zh-CN" altLang="en-US" smtClean="0"/>
               <a:t>‹#›</a:t>
             </a:fld>
@@ -515,7 +515,7 @@
     </p:spTree>
     <p:extLst>
       <p:ext uri="{BB962C8B-B14F-4D97-AF65-F5344CB8AC3E}">
-        <p14:creationId xmlns:p14="http://schemas.microsoft.com/office/powerpoint/2010/main" val="3137056023"/>
+        <p14:creationId xmlns:p14="http://schemas.microsoft.com/office/powerpoint/2010/main" val="3281932759"/>
       </p:ext>
     </p:extLst>
   </p:cSld>
@@ -547,7 +547,7 @@
           <p:cNvPr id="2" name="竖排标题 1">
             <a:extLst>
               <a:ext uri="{FF2B5EF4-FFF2-40B4-BE49-F238E27FC236}">
-                <a16:creationId xmlns:a16="http://schemas.microsoft.com/office/drawing/2014/main" id="{48EA1B43-8C27-8C0F-43A1-B140381E26A2}"/>
+                <a16:creationId xmlns:a16="http://schemas.microsoft.com/office/drawing/2014/main" id="{36033895-9814-9238-FBEF-69609EB99A86}"/>
               </a:ext>
             </a:extLst>
           </p:cNvPr>
@@ -580,7 +580,7 @@
           <p:cNvPr id="3" name="竖排文字占位符 2">
             <a:extLst>
               <a:ext uri="{FF2B5EF4-FFF2-40B4-BE49-F238E27FC236}">
-                <a16:creationId xmlns:a16="http://schemas.microsoft.com/office/drawing/2014/main" id="{D8342E43-D70A-94E2-3602-EB90741F2E48}"/>
+                <a16:creationId xmlns:a16="http://schemas.microsoft.com/office/drawing/2014/main" id="{7C7ACEF7-76C0-B1FE-9C39-2FF773A838B3}"/>
               </a:ext>
             </a:extLst>
           </p:cNvPr>
@@ -642,7 +642,7 @@
           <p:cNvPr id="4" name="日期占位符 3">
             <a:extLst>
               <a:ext uri="{FF2B5EF4-FFF2-40B4-BE49-F238E27FC236}">
-                <a16:creationId xmlns:a16="http://schemas.microsoft.com/office/drawing/2014/main" id="{533ABE7A-B57F-9264-102E-0E193DD9F5F7}"/>
+                <a16:creationId xmlns:a16="http://schemas.microsoft.com/office/drawing/2014/main" id="{24EA2BBB-FA00-D42F-6F06-EC9F3D216B52}"/>
               </a:ext>
             </a:extLst>
           </p:cNvPr>
@@ -658,7 +658,7 @@
           <a:bodyPr/>
           <a:lstStyle/>
           <a:p>
-            <a:fld id="{CF717FDB-0BBE-4525-8D7A-E939E5DBAE03}" type="datetimeFigureOut">
+            <a:fld id="{33EBD808-3CA6-4A49-9D66-320717FDDD41}" type="datetimeFigureOut">
               <a:rPr lang="zh-CN" altLang="en-US" smtClean="0"/>
               <a:t>2024/3/10</a:t>
             </a:fld>
@@ -671,7 +671,7 @@
           <p:cNvPr id="5" name="页脚占位符 4">
             <a:extLst>
               <a:ext uri="{FF2B5EF4-FFF2-40B4-BE49-F238E27FC236}">
-                <a16:creationId xmlns:a16="http://schemas.microsoft.com/office/drawing/2014/main" id="{D6E84CCB-E311-A72A-ABCF-A0C4B6C1BB59}"/>
+                <a16:creationId xmlns:a16="http://schemas.microsoft.com/office/drawing/2014/main" id="{8B694BBA-CE49-506E-B133-C708A2B12FE0}"/>
               </a:ext>
             </a:extLst>
           </p:cNvPr>
@@ -696,7 +696,7 @@
           <p:cNvPr id="6" name="灯片编号占位符 5">
             <a:extLst>
               <a:ext uri="{FF2B5EF4-FFF2-40B4-BE49-F238E27FC236}">
-                <a16:creationId xmlns:a16="http://schemas.microsoft.com/office/drawing/2014/main" id="{8DE6AB54-C1E9-9E37-466A-AE6A7AF9D41B}"/>
+                <a16:creationId xmlns:a16="http://schemas.microsoft.com/office/drawing/2014/main" id="{A69DA5CC-8F11-FE1B-EA60-C5E09DD0FC79}"/>
               </a:ext>
             </a:extLst>
           </p:cNvPr>
@@ -712,7 +712,7 @@
           <a:bodyPr/>
           <a:lstStyle/>
           <a:p>
-            <a:fld id="{B856E406-E4B2-4FE2-9753-42377879A678}" type="slidenum">
+            <a:fld id="{A58D1AB9-6FBA-4083-83EF-C28E20606D44}" type="slidenum">
               <a:rPr lang="zh-CN" altLang="en-US" smtClean="0"/>
               <a:t>‹#›</a:t>
             </a:fld>
@@ -723,7 +723,7 @@
     </p:spTree>
     <p:extLst>
       <p:ext uri="{BB962C8B-B14F-4D97-AF65-F5344CB8AC3E}">
-        <p14:creationId xmlns:p14="http://schemas.microsoft.com/office/powerpoint/2010/main" val="1780055780"/>
+        <p14:creationId xmlns:p14="http://schemas.microsoft.com/office/powerpoint/2010/main" val="1646817663"/>
       </p:ext>
     </p:extLst>
   </p:cSld>
@@ -755,7 +755,7 @@
           <p:cNvPr id="2" name="标题 1">
             <a:extLst>
               <a:ext uri="{FF2B5EF4-FFF2-40B4-BE49-F238E27FC236}">
-                <a16:creationId xmlns:a16="http://schemas.microsoft.com/office/drawing/2014/main" id="{45DE08A0-9FDE-0B87-EF2E-5274B5698F9E}"/>
+                <a16:creationId xmlns:a16="http://schemas.microsoft.com/office/drawing/2014/main" id="{A8FB9B0D-8B63-7B42-E4F3-6D5774FD5048}"/>
               </a:ext>
             </a:extLst>
           </p:cNvPr>
@@ -783,7 +783,7 @@
           <p:cNvPr id="3" name="内容占位符 2">
             <a:extLst>
               <a:ext uri="{FF2B5EF4-FFF2-40B4-BE49-F238E27FC236}">
-                <a16:creationId xmlns:a16="http://schemas.microsoft.com/office/drawing/2014/main" id="{3E616D3A-3BB6-7452-1F31-6A08B2D5C105}"/>
+                <a16:creationId xmlns:a16="http://schemas.microsoft.com/office/drawing/2014/main" id="{2939C942-9045-3290-AFD2-911CA78D2A1A}"/>
               </a:ext>
             </a:extLst>
           </p:cNvPr>
@@ -840,7 +840,7 @@
           <p:cNvPr id="4" name="日期占位符 3">
             <a:extLst>
               <a:ext uri="{FF2B5EF4-FFF2-40B4-BE49-F238E27FC236}">
-                <a16:creationId xmlns:a16="http://schemas.microsoft.com/office/drawing/2014/main" id="{2768FAFF-A72B-474C-D4F6-615FEF4F3249}"/>
+                <a16:creationId xmlns:a16="http://schemas.microsoft.com/office/drawing/2014/main" id="{72851156-AA65-5DBB-37FD-27DF8468F8E6}"/>
               </a:ext>
             </a:extLst>
           </p:cNvPr>
@@ -856,7 +856,7 @@
           <a:bodyPr/>
           <a:lstStyle/>
           <a:p>
-            <a:fld id="{CF717FDB-0BBE-4525-8D7A-E939E5DBAE03}" type="datetimeFigureOut">
+            <a:fld id="{33EBD808-3CA6-4A49-9D66-320717FDDD41}" type="datetimeFigureOut">
               <a:rPr lang="zh-CN" altLang="en-US" smtClean="0"/>
               <a:t>2024/3/10</a:t>
             </a:fld>
@@ -869,7 +869,7 @@
           <p:cNvPr id="5" name="页脚占位符 4">
             <a:extLst>
               <a:ext uri="{FF2B5EF4-FFF2-40B4-BE49-F238E27FC236}">
-                <a16:creationId xmlns:a16="http://schemas.microsoft.com/office/drawing/2014/main" id="{E1DFD20D-5FAB-8D4D-E59E-90EF977CF610}"/>
+                <a16:creationId xmlns:a16="http://schemas.microsoft.com/office/drawing/2014/main" id="{BA653B30-82E4-6BD8-E557-1292BEB98551}"/>
               </a:ext>
             </a:extLst>
           </p:cNvPr>
@@ -894,7 +894,7 @@
           <p:cNvPr id="6" name="灯片编号占位符 5">
             <a:extLst>
               <a:ext uri="{FF2B5EF4-FFF2-40B4-BE49-F238E27FC236}">
-                <a16:creationId xmlns:a16="http://schemas.microsoft.com/office/drawing/2014/main" id="{F1099A90-BB33-3BCF-C2B7-E8AEE5268F28}"/>
+                <a16:creationId xmlns:a16="http://schemas.microsoft.com/office/drawing/2014/main" id="{5E32589D-BF32-45E0-7500-9914148D3F30}"/>
               </a:ext>
             </a:extLst>
           </p:cNvPr>
@@ -910,7 +910,7 @@
           <a:bodyPr/>
           <a:lstStyle/>
           <a:p>
-            <a:fld id="{B856E406-E4B2-4FE2-9753-42377879A678}" type="slidenum">
+            <a:fld id="{A58D1AB9-6FBA-4083-83EF-C28E20606D44}" type="slidenum">
               <a:rPr lang="zh-CN" altLang="en-US" smtClean="0"/>
               <a:t>‹#›</a:t>
             </a:fld>
@@ -921,7 +921,7 @@
     </p:spTree>
     <p:extLst>
       <p:ext uri="{BB962C8B-B14F-4D97-AF65-F5344CB8AC3E}">
-        <p14:creationId xmlns:p14="http://schemas.microsoft.com/office/powerpoint/2010/main" val="951165556"/>
+        <p14:creationId xmlns:p14="http://schemas.microsoft.com/office/powerpoint/2010/main" val="3367511461"/>
       </p:ext>
     </p:extLst>
   </p:cSld>
@@ -953,7 +953,7 @@
           <p:cNvPr id="2" name="标题 1">
             <a:extLst>
               <a:ext uri="{FF2B5EF4-FFF2-40B4-BE49-F238E27FC236}">
-                <a16:creationId xmlns:a16="http://schemas.microsoft.com/office/drawing/2014/main" id="{334C77B9-1810-8D26-395D-DE20597E10EF}"/>
+                <a16:creationId xmlns:a16="http://schemas.microsoft.com/office/drawing/2014/main" id="{A68B1DFC-F909-1C23-2711-1AB8F544C778}"/>
               </a:ext>
             </a:extLst>
           </p:cNvPr>
@@ -990,7 +990,7 @@
           <p:cNvPr id="3" name="文本占位符 2">
             <a:extLst>
               <a:ext uri="{FF2B5EF4-FFF2-40B4-BE49-F238E27FC236}">
-                <a16:creationId xmlns:a16="http://schemas.microsoft.com/office/drawing/2014/main" id="{C3FDE8D0-D59B-3100-E4BC-62D3AC807A51}"/>
+                <a16:creationId xmlns:a16="http://schemas.microsoft.com/office/drawing/2014/main" id="{B1CD15BE-E9E4-EC9F-E6F5-CEAFC7711FCA}"/>
               </a:ext>
             </a:extLst>
           </p:cNvPr>
@@ -1115,7 +1115,7 @@
           <p:cNvPr id="4" name="日期占位符 3">
             <a:extLst>
               <a:ext uri="{FF2B5EF4-FFF2-40B4-BE49-F238E27FC236}">
-                <a16:creationId xmlns:a16="http://schemas.microsoft.com/office/drawing/2014/main" id="{767D039F-9015-72CD-2668-600D5E02400B}"/>
+                <a16:creationId xmlns:a16="http://schemas.microsoft.com/office/drawing/2014/main" id="{B1BD2EBD-E3DF-7F6D-70A4-6BDE7CA0E990}"/>
               </a:ext>
             </a:extLst>
           </p:cNvPr>
@@ -1131,7 +1131,7 @@
           <a:bodyPr/>
           <a:lstStyle/>
           <a:p>
-            <a:fld id="{CF717FDB-0BBE-4525-8D7A-E939E5DBAE03}" type="datetimeFigureOut">
+            <a:fld id="{33EBD808-3CA6-4A49-9D66-320717FDDD41}" type="datetimeFigureOut">
               <a:rPr lang="zh-CN" altLang="en-US" smtClean="0"/>
               <a:t>2024/3/10</a:t>
             </a:fld>
@@ -1144,7 +1144,7 @@
           <p:cNvPr id="5" name="页脚占位符 4">
             <a:extLst>
               <a:ext uri="{FF2B5EF4-FFF2-40B4-BE49-F238E27FC236}">
-                <a16:creationId xmlns:a16="http://schemas.microsoft.com/office/drawing/2014/main" id="{AE93C415-7D06-F60B-ED17-2B8C629F6FD4}"/>
+                <a16:creationId xmlns:a16="http://schemas.microsoft.com/office/drawing/2014/main" id="{BB646AD4-59E4-001F-EBC9-9AC4E8F1469A}"/>
               </a:ext>
             </a:extLst>
           </p:cNvPr>
@@ -1169,7 +1169,7 @@
           <p:cNvPr id="6" name="灯片编号占位符 5">
             <a:extLst>
               <a:ext uri="{FF2B5EF4-FFF2-40B4-BE49-F238E27FC236}">
-                <a16:creationId xmlns:a16="http://schemas.microsoft.com/office/drawing/2014/main" id="{E1BB5DE5-3E0C-4F1D-9804-441A1850F5FB}"/>
+                <a16:creationId xmlns:a16="http://schemas.microsoft.com/office/drawing/2014/main" id="{23CFC480-6252-CC89-CE92-2810416E110B}"/>
               </a:ext>
             </a:extLst>
           </p:cNvPr>
@@ -1185,7 +1185,7 @@
           <a:bodyPr/>
           <a:lstStyle/>
           <a:p>
-            <a:fld id="{B856E406-E4B2-4FE2-9753-42377879A678}" type="slidenum">
+            <a:fld id="{A58D1AB9-6FBA-4083-83EF-C28E20606D44}" type="slidenum">
               <a:rPr lang="zh-CN" altLang="en-US" smtClean="0"/>
               <a:t>‹#›</a:t>
             </a:fld>
@@ -1196,7 +1196,7 @@
     </p:spTree>
     <p:extLst>
       <p:ext uri="{BB962C8B-B14F-4D97-AF65-F5344CB8AC3E}">
-        <p14:creationId xmlns:p14="http://schemas.microsoft.com/office/powerpoint/2010/main" val="597768619"/>
+        <p14:creationId xmlns:p14="http://schemas.microsoft.com/office/powerpoint/2010/main" val="3442577153"/>
       </p:ext>
     </p:extLst>
   </p:cSld>
@@ -1228,7 +1228,7 @@
           <p:cNvPr id="2" name="标题 1">
             <a:extLst>
               <a:ext uri="{FF2B5EF4-FFF2-40B4-BE49-F238E27FC236}">
-                <a16:creationId xmlns:a16="http://schemas.microsoft.com/office/drawing/2014/main" id="{4FC744F2-D857-6168-0EE4-D1D84EDE7F86}"/>
+                <a16:creationId xmlns:a16="http://schemas.microsoft.com/office/drawing/2014/main" id="{96363A77-83D1-2169-CF3E-E895EBB420CF}"/>
               </a:ext>
             </a:extLst>
           </p:cNvPr>
@@ -1256,7 +1256,7 @@
           <p:cNvPr id="3" name="内容占位符 2">
             <a:extLst>
               <a:ext uri="{FF2B5EF4-FFF2-40B4-BE49-F238E27FC236}">
-                <a16:creationId xmlns:a16="http://schemas.microsoft.com/office/drawing/2014/main" id="{E4DD5799-DF3D-A461-E7F7-39054993B1EF}"/>
+                <a16:creationId xmlns:a16="http://schemas.microsoft.com/office/drawing/2014/main" id="{5085EF92-C959-6E64-B7E7-51BA0A32E3FD}"/>
               </a:ext>
             </a:extLst>
           </p:cNvPr>
@@ -1318,7 +1318,7 @@
           <p:cNvPr id="4" name="内容占位符 3">
             <a:extLst>
               <a:ext uri="{FF2B5EF4-FFF2-40B4-BE49-F238E27FC236}">
-                <a16:creationId xmlns:a16="http://schemas.microsoft.com/office/drawing/2014/main" id="{AD74507C-B31A-F578-F921-9B204E21F640}"/>
+                <a16:creationId xmlns:a16="http://schemas.microsoft.com/office/drawing/2014/main" id="{3C69E37C-989E-1394-9470-81CAA8BA9966}"/>
               </a:ext>
             </a:extLst>
           </p:cNvPr>
@@ -1380,7 +1380,7 @@
           <p:cNvPr id="5" name="日期占位符 4">
             <a:extLst>
               <a:ext uri="{FF2B5EF4-FFF2-40B4-BE49-F238E27FC236}">
-                <a16:creationId xmlns:a16="http://schemas.microsoft.com/office/drawing/2014/main" id="{01C845E0-6691-2B64-5A6A-6EBD646BC154}"/>
+                <a16:creationId xmlns:a16="http://schemas.microsoft.com/office/drawing/2014/main" id="{B90A5273-F5C7-639A-C2F7-40D4C2A86BB3}"/>
               </a:ext>
             </a:extLst>
           </p:cNvPr>
@@ -1396,7 +1396,7 @@
           <a:bodyPr/>
           <a:lstStyle/>
           <a:p>
-            <a:fld id="{CF717FDB-0BBE-4525-8D7A-E939E5DBAE03}" type="datetimeFigureOut">
+            <a:fld id="{33EBD808-3CA6-4A49-9D66-320717FDDD41}" type="datetimeFigureOut">
               <a:rPr lang="zh-CN" altLang="en-US" smtClean="0"/>
               <a:t>2024/3/10</a:t>
             </a:fld>
@@ -1409,7 +1409,7 @@
           <p:cNvPr id="6" name="页脚占位符 5">
             <a:extLst>
               <a:ext uri="{FF2B5EF4-FFF2-40B4-BE49-F238E27FC236}">
-                <a16:creationId xmlns:a16="http://schemas.microsoft.com/office/drawing/2014/main" id="{53DA4E21-BCB4-2D14-A04D-895E26EC4D45}"/>
+                <a16:creationId xmlns:a16="http://schemas.microsoft.com/office/drawing/2014/main" id="{A32317D1-9CAC-32DB-B15B-D6843ABE1007}"/>
               </a:ext>
             </a:extLst>
           </p:cNvPr>
@@ -1434,7 +1434,7 @@
           <p:cNvPr id="7" name="灯片编号占位符 6">
             <a:extLst>
               <a:ext uri="{FF2B5EF4-FFF2-40B4-BE49-F238E27FC236}">
-                <a16:creationId xmlns:a16="http://schemas.microsoft.com/office/drawing/2014/main" id="{C60C4145-75F7-E88C-BBB7-0A50D51D0C6C}"/>
+                <a16:creationId xmlns:a16="http://schemas.microsoft.com/office/drawing/2014/main" id="{2C6B9113-BFAA-C9DB-5C23-E6FAB6F140AE}"/>
               </a:ext>
             </a:extLst>
           </p:cNvPr>
@@ -1450,7 +1450,7 @@
           <a:bodyPr/>
           <a:lstStyle/>
           <a:p>
-            <a:fld id="{B856E406-E4B2-4FE2-9753-42377879A678}" type="slidenum">
+            <a:fld id="{A58D1AB9-6FBA-4083-83EF-C28E20606D44}" type="slidenum">
               <a:rPr lang="zh-CN" altLang="en-US" smtClean="0"/>
               <a:t>‹#›</a:t>
             </a:fld>
@@ -1461,7 +1461,7 @@
     </p:spTree>
     <p:extLst>
       <p:ext uri="{BB962C8B-B14F-4D97-AF65-F5344CB8AC3E}">
-        <p14:creationId xmlns:p14="http://schemas.microsoft.com/office/powerpoint/2010/main" val="376821304"/>
+        <p14:creationId xmlns:p14="http://schemas.microsoft.com/office/powerpoint/2010/main" val="2545692053"/>
       </p:ext>
     </p:extLst>
   </p:cSld>
@@ -1493,7 +1493,7 @@
           <p:cNvPr id="2" name="标题 1">
             <a:extLst>
               <a:ext uri="{FF2B5EF4-FFF2-40B4-BE49-F238E27FC236}">
-                <a16:creationId xmlns:a16="http://schemas.microsoft.com/office/drawing/2014/main" id="{A266093F-1B16-68F6-7124-4CAC73EE6DF4}"/>
+                <a16:creationId xmlns:a16="http://schemas.microsoft.com/office/drawing/2014/main" id="{4A948DA6-1FB2-EC98-A003-BCFB1C5BF392}"/>
               </a:ext>
             </a:extLst>
           </p:cNvPr>
@@ -1526,7 +1526,7 @@
           <p:cNvPr id="3" name="文本占位符 2">
             <a:extLst>
               <a:ext uri="{FF2B5EF4-FFF2-40B4-BE49-F238E27FC236}">
-                <a16:creationId xmlns:a16="http://schemas.microsoft.com/office/drawing/2014/main" id="{B3E77CB7-F04E-BC84-2613-A37A07AAE0F4}"/>
+                <a16:creationId xmlns:a16="http://schemas.microsoft.com/office/drawing/2014/main" id="{F22E0DE9-D95F-D2D5-38DC-2ECEFBAE26E5}"/>
               </a:ext>
             </a:extLst>
           </p:cNvPr>
@@ -1597,7 +1597,7 @@
           <p:cNvPr id="4" name="内容占位符 3">
             <a:extLst>
               <a:ext uri="{FF2B5EF4-FFF2-40B4-BE49-F238E27FC236}">
-                <a16:creationId xmlns:a16="http://schemas.microsoft.com/office/drawing/2014/main" id="{9238689B-E254-5B70-8CB2-8C8771D2ADC7}"/>
+                <a16:creationId xmlns:a16="http://schemas.microsoft.com/office/drawing/2014/main" id="{B6F05DCF-DB56-8EF0-F110-BE10B6F2668C}"/>
               </a:ext>
             </a:extLst>
           </p:cNvPr>
@@ -1659,7 +1659,7 @@
           <p:cNvPr id="5" name="文本占位符 4">
             <a:extLst>
               <a:ext uri="{FF2B5EF4-FFF2-40B4-BE49-F238E27FC236}">
-                <a16:creationId xmlns:a16="http://schemas.microsoft.com/office/drawing/2014/main" id="{14764419-02D7-659E-6DDA-B7AFD744D4A5}"/>
+                <a16:creationId xmlns:a16="http://schemas.microsoft.com/office/drawing/2014/main" id="{04FD80F2-90D9-C0BB-D20B-99FF87201301}"/>
               </a:ext>
             </a:extLst>
           </p:cNvPr>
@@ -1730,7 +1730,7 @@
           <p:cNvPr id="6" name="内容占位符 5">
             <a:extLst>
               <a:ext uri="{FF2B5EF4-FFF2-40B4-BE49-F238E27FC236}">
-                <a16:creationId xmlns:a16="http://schemas.microsoft.com/office/drawing/2014/main" id="{1D171142-A74E-E958-522D-1869AF1563C6}"/>
+                <a16:creationId xmlns:a16="http://schemas.microsoft.com/office/drawing/2014/main" id="{66997D7D-B91F-D82B-E8DC-0BA68016426A}"/>
               </a:ext>
             </a:extLst>
           </p:cNvPr>
@@ -1792,7 +1792,7 @@
           <p:cNvPr id="7" name="日期占位符 6">
             <a:extLst>
               <a:ext uri="{FF2B5EF4-FFF2-40B4-BE49-F238E27FC236}">
-                <a16:creationId xmlns:a16="http://schemas.microsoft.com/office/drawing/2014/main" id="{CB81A31B-3E4D-B2B4-7C3B-B52E358D6E85}"/>
+                <a16:creationId xmlns:a16="http://schemas.microsoft.com/office/drawing/2014/main" id="{176402DA-51A6-13C6-5F93-76AFB020EEFE}"/>
               </a:ext>
             </a:extLst>
           </p:cNvPr>
@@ -1808,7 +1808,7 @@
           <a:bodyPr/>
           <a:lstStyle/>
           <a:p>
-            <a:fld id="{CF717FDB-0BBE-4525-8D7A-E939E5DBAE03}" type="datetimeFigureOut">
+            <a:fld id="{33EBD808-3CA6-4A49-9D66-320717FDDD41}" type="datetimeFigureOut">
               <a:rPr lang="zh-CN" altLang="en-US" smtClean="0"/>
               <a:t>2024/3/10</a:t>
             </a:fld>
@@ -1821,7 +1821,7 @@
           <p:cNvPr id="8" name="页脚占位符 7">
             <a:extLst>
               <a:ext uri="{FF2B5EF4-FFF2-40B4-BE49-F238E27FC236}">
-                <a16:creationId xmlns:a16="http://schemas.microsoft.com/office/drawing/2014/main" id="{475AB54B-799A-AA24-2E2C-97826DA22597}"/>
+                <a16:creationId xmlns:a16="http://schemas.microsoft.com/office/drawing/2014/main" id="{5995677B-BEC8-4FE0-1CC1-399C8B098007}"/>
               </a:ext>
             </a:extLst>
           </p:cNvPr>
@@ -1846,7 +1846,7 @@
           <p:cNvPr id="9" name="灯片编号占位符 8">
             <a:extLst>
               <a:ext uri="{FF2B5EF4-FFF2-40B4-BE49-F238E27FC236}">
-                <a16:creationId xmlns:a16="http://schemas.microsoft.com/office/drawing/2014/main" id="{59C85F78-6298-E6C6-612B-F240D9A42597}"/>
+                <a16:creationId xmlns:a16="http://schemas.microsoft.com/office/drawing/2014/main" id="{FE04D4E8-A3F7-D5B6-61AD-EFD177191AB5}"/>
               </a:ext>
             </a:extLst>
           </p:cNvPr>
@@ -1862,7 +1862,7 @@
           <a:bodyPr/>
           <a:lstStyle/>
           <a:p>
-            <a:fld id="{B856E406-E4B2-4FE2-9753-42377879A678}" type="slidenum">
+            <a:fld id="{A58D1AB9-6FBA-4083-83EF-C28E20606D44}" type="slidenum">
               <a:rPr lang="zh-CN" altLang="en-US" smtClean="0"/>
               <a:t>‹#›</a:t>
             </a:fld>
@@ -1873,7 +1873,7 @@
     </p:spTree>
     <p:extLst>
       <p:ext uri="{BB962C8B-B14F-4D97-AF65-F5344CB8AC3E}">
-        <p14:creationId xmlns:p14="http://schemas.microsoft.com/office/powerpoint/2010/main" val="1049527303"/>
+        <p14:creationId xmlns:p14="http://schemas.microsoft.com/office/powerpoint/2010/main" val="1216693997"/>
       </p:ext>
     </p:extLst>
   </p:cSld>
@@ -1905,7 +1905,7 @@
           <p:cNvPr id="2" name="标题 1">
             <a:extLst>
               <a:ext uri="{FF2B5EF4-FFF2-40B4-BE49-F238E27FC236}">
-                <a16:creationId xmlns:a16="http://schemas.microsoft.com/office/drawing/2014/main" id="{4621183C-3022-7D14-1E1C-F56A82EF3280}"/>
+                <a16:creationId xmlns:a16="http://schemas.microsoft.com/office/drawing/2014/main" id="{3D5BBF4D-297A-5884-2D3F-2778505D6435}"/>
               </a:ext>
             </a:extLst>
           </p:cNvPr>
@@ -1933,7 +1933,7 @@
           <p:cNvPr id="3" name="日期占位符 2">
             <a:extLst>
               <a:ext uri="{FF2B5EF4-FFF2-40B4-BE49-F238E27FC236}">
-                <a16:creationId xmlns:a16="http://schemas.microsoft.com/office/drawing/2014/main" id="{76E7DDEC-A2B1-D730-CB07-16AEA9BDEE08}"/>
+                <a16:creationId xmlns:a16="http://schemas.microsoft.com/office/drawing/2014/main" id="{D52531DC-D888-C061-6CB4-DB983458229A}"/>
               </a:ext>
             </a:extLst>
           </p:cNvPr>
@@ -1949,7 +1949,7 @@
           <a:bodyPr/>
           <a:lstStyle/>
           <a:p>
-            <a:fld id="{CF717FDB-0BBE-4525-8D7A-E939E5DBAE03}" type="datetimeFigureOut">
+            <a:fld id="{33EBD808-3CA6-4A49-9D66-320717FDDD41}" type="datetimeFigureOut">
               <a:rPr lang="zh-CN" altLang="en-US" smtClean="0"/>
               <a:t>2024/3/10</a:t>
             </a:fld>
@@ -1962,7 +1962,7 @@
           <p:cNvPr id="4" name="页脚占位符 3">
             <a:extLst>
               <a:ext uri="{FF2B5EF4-FFF2-40B4-BE49-F238E27FC236}">
-                <a16:creationId xmlns:a16="http://schemas.microsoft.com/office/drawing/2014/main" id="{2D614DA5-FEC1-5351-27FB-D07A0E16F98C}"/>
+                <a16:creationId xmlns:a16="http://schemas.microsoft.com/office/drawing/2014/main" id="{77280334-A2A0-9812-968B-461A05005C91}"/>
               </a:ext>
             </a:extLst>
           </p:cNvPr>
@@ -1987,7 +1987,7 @@
           <p:cNvPr id="5" name="灯片编号占位符 4">
             <a:extLst>
               <a:ext uri="{FF2B5EF4-FFF2-40B4-BE49-F238E27FC236}">
-                <a16:creationId xmlns:a16="http://schemas.microsoft.com/office/drawing/2014/main" id="{2585A802-5A3E-9A47-F39B-EB29ED78C568}"/>
+                <a16:creationId xmlns:a16="http://schemas.microsoft.com/office/drawing/2014/main" id="{8BE09617-53F6-1501-C4D2-E251611B1171}"/>
               </a:ext>
             </a:extLst>
           </p:cNvPr>
@@ -2003,7 +2003,7 @@
           <a:bodyPr/>
           <a:lstStyle/>
           <a:p>
-            <a:fld id="{B856E406-E4B2-4FE2-9753-42377879A678}" type="slidenum">
+            <a:fld id="{A58D1AB9-6FBA-4083-83EF-C28E20606D44}" type="slidenum">
               <a:rPr lang="zh-CN" altLang="en-US" smtClean="0"/>
               <a:t>‹#›</a:t>
             </a:fld>
@@ -2014,7 +2014,7 @@
     </p:spTree>
     <p:extLst>
       <p:ext uri="{BB962C8B-B14F-4D97-AF65-F5344CB8AC3E}">
-        <p14:creationId xmlns:p14="http://schemas.microsoft.com/office/powerpoint/2010/main" val="3349144627"/>
+        <p14:creationId xmlns:p14="http://schemas.microsoft.com/office/powerpoint/2010/main" val="1228876851"/>
       </p:ext>
     </p:extLst>
   </p:cSld>
@@ -2046,7 +2046,7 @@
           <p:cNvPr id="2" name="日期占位符 1">
             <a:extLst>
               <a:ext uri="{FF2B5EF4-FFF2-40B4-BE49-F238E27FC236}">
-                <a16:creationId xmlns:a16="http://schemas.microsoft.com/office/drawing/2014/main" id="{9EBA6AE3-C452-327A-6032-297F7A47FBCD}"/>
+                <a16:creationId xmlns:a16="http://schemas.microsoft.com/office/drawing/2014/main" id="{12CF40A5-BFAD-BDB9-D69B-BBF46C7FDEC2}"/>
               </a:ext>
             </a:extLst>
           </p:cNvPr>
@@ -2062,7 +2062,7 @@
           <a:bodyPr/>
           <a:lstStyle/>
           <a:p>
-            <a:fld id="{CF717FDB-0BBE-4525-8D7A-E939E5DBAE03}" type="datetimeFigureOut">
+            <a:fld id="{33EBD808-3CA6-4A49-9D66-320717FDDD41}" type="datetimeFigureOut">
               <a:rPr lang="zh-CN" altLang="en-US" smtClean="0"/>
               <a:t>2024/3/10</a:t>
             </a:fld>
@@ -2075,7 +2075,7 @@
           <p:cNvPr id="3" name="页脚占位符 2">
             <a:extLst>
               <a:ext uri="{FF2B5EF4-FFF2-40B4-BE49-F238E27FC236}">
-                <a16:creationId xmlns:a16="http://schemas.microsoft.com/office/drawing/2014/main" id="{04B95337-0F7F-F54F-CEA4-5417F67BCDE4}"/>
+                <a16:creationId xmlns:a16="http://schemas.microsoft.com/office/drawing/2014/main" id="{D66D259B-B9DF-5762-C0C1-C095FDB1E7B9}"/>
               </a:ext>
             </a:extLst>
           </p:cNvPr>
@@ -2100,7 +2100,7 @@
           <p:cNvPr id="4" name="灯片编号占位符 3">
             <a:extLst>
               <a:ext uri="{FF2B5EF4-FFF2-40B4-BE49-F238E27FC236}">
-                <a16:creationId xmlns:a16="http://schemas.microsoft.com/office/drawing/2014/main" id="{74549AD2-8664-7CD7-A225-2273F6A03382}"/>
+                <a16:creationId xmlns:a16="http://schemas.microsoft.com/office/drawing/2014/main" id="{CFAF2CC1-E7C4-7C5F-0D3B-0FEBB7CB73E3}"/>
               </a:ext>
             </a:extLst>
           </p:cNvPr>
@@ -2116,7 +2116,7 @@
           <a:bodyPr/>
           <a:lstStyle/>
           <a:p>
-            <a:fld id="{B856E406-E4B2-4FE2-9753-42377879A678}" type="slidenum">
+            <a:fld id="{A58D1AB9-6FBA-4083-83EF-C28E20606D44}" type="slidenum">
               <a:rPr lang="zh-CN" altLang="en-US" smtClean="0"/>
               <a:t>‹#›</a:t>
             </a:fld>
@@ -2127,7 +2127,7 @@
     </p:spTree>
     <p:extLst>
       <p:ext uri="{BB962C8B-B14F-4D97-AF65-F5344CB8AC3E}">
-        <p14:creationId xmlns:p14="http://schemas.microsoft.com/office/powerpoint/2010/main" val="3040405420"/>
+        <p14:creationId xmlns:p14="http://schemas.microsoft.com/office/powerpoint/2010/main" val="845924761"/>
       </p:ext>
     </p:extLst>
   </p:cSld>
@@ -2159,7 +2159,7 @@
           <p:cNvPr id="2" name="标题 1">
             <a:extLst>
               <a:ext uri="{FF2B5EF4-FFF2-40B4-BE49-F238E27FC236}">
-                <a16:creationId xmlns:a16="http://schemas.microsoft.com/office/drawing/2014/main" id="{BE8E4633-F408-31F4-9720-B2A1E48432E0}"/>
+                <a16:creationId xmlns:a16="http://schemas.microsoft.com/office/drawing/2014/main" id="{C642A902-168A-553A-9F05-3AAE27C7DCE5}"/>
               </a:ext>
             </a:extLst>
           </p:cNvPr>
@@ -2196,7 +2196,7 @@
           <p:cNvPr id="3" name="内容占位符 2">
             <a:extLst>
               <a:ext uri="{FF2B5EF4-FFF2-40B4-BE49-F238E27FC236}">
-                <a16:creationId xmlns:a16="http://schemas.microsoft.com/office/drawing/2014/main" id="{85474161-F6BE-66BE-D94C-75FFB400D4C1}"/>
+                <a16:creationId xmlns:a16="http://schemas.microsoft.com/office/drawing/2014/main" id="{B4B10FEE-A858-4DCD-7DF2-E1C5037FBED0}"/>
               </a:ext>
             </a:extLst>
           </p:cNvPr>
@@ -2286,7 +2286,7 @@
           <p:cNvPr id="4" name="文本占位符 3">
             <a:extLst>
               <a:ext uri="{FF2B5EF4-FFF2-40B4-BE49-F238E27FC236}">
-                <a16:creationId xmlns:a16="http://schemas.microsoft.com/office/drawing/2014/main" id="{09981D23-7418-AA0F-A958-726E0615211C}"/>
+                <a16:creationId xmlns:a16="http://schemas.microsoft.com/office/drawing/2014/main" id="{43C532F1-5F28-71C5-6C95-0A2D037A7B53}"/>
               </a:ext>
             </a:extLst>
           </p:cNvPr>
@@ -2357,7 +2357,7 @@
           <p:cNvPr id="5" name="日期占位符 4">
             <a:extLst>
               <a:ext uri="{FF2B5EF4-FFF2-40B4-BE49-F238E27FC236}">
-                <a16:creationId xmlns:a16="http://schemas.microsoft.com/office/drawing/2014/main" id="{3FAAD889-DAE5-74B5-EE68-789EECD2130F}"/>
+                <a16:creationId xmlns:a16="http://schemas.microsoft.com/office/drawing/2014/main" id="{0F110928-E77E-356D-41C9-DD9B4E856B9F}"/>
               </a:ext>
             </a:extLst>
           </p:cNvPr>
@@ -2373,7 +2373,7 @@
           <a:bodyPr/>
           <a:lstStyle/>
           <a:p>
-            <a:fld id="{CF717FDB-0BBE-4525-8D7A-E939E5DBAE03}" type="datetimeFigureOut">
+            <a:fld id="{33EBD808-3CA6-4A49-9D66-320717FDDD41}" type="datetimeFigureOut">
               <a:rPr lang="zh-CN" altLang="en-US" smtClean="0"/>
               <a:t>2024/3/10</a:t>
             </a:fld>
@@ -2386,7 +2386,7 @@
           <p:cNvPr id="6" name="页脚占位符 5">
             <a:extLst>
               <a:ext uri="{FF2B5EF4-FFF2-40B4-BE49-F238E27FC236}">
-                <a16:creationId xmlns:a16="http://schemas.microsoft.com/office/drawing/2014/main" id="{7A1D01E0-DAE5-DBBB-556A-EE5BC5D7A1D5}"/>
+                <a16:creationId xmlns:a16="http://schemas.microsoft.com/office/drawing/2014/main" id="{59560C4D-C81C-070E-ECFB-CD58C9184233}"/>
               </a:ext>
             </a:extLst>
           </p:cNvPr>
@@ -2411,7 +2411,7 @@
           <p:cNvPr id="7" name="灯片编号占位符 6">
             <a:extLst>
               <a:ext uri="{FF2B5EF4-FFF2-40B4-BE49-F238E27FC236}">
-                <a16:creationId xmlns:a16="http://schemas.microsoft.com/office/drawing/2014/main" id="{B21A5315-BB33-B472-7DF0-6FE431A571A1}"/>
+                <a16:creationId xmlns:a16="http://schemas.microsoft.com/office/drawing/2014/main" id="{3575F758-55BE-2FE6-8977-B3FA8824E4CE}"/>
               </a:ext>
             </a:extLst>
           </p:cNvPr>
@@ -2427,7 +2427,7 @@
           <a:bodyPr/>
           <a:lstStyle/>
           <a:p>
-            <a:fld id="{B856E406-E4B2-4FE2-9753-42377879A678}" type="slidenum">
+            <a:fld id="{A58D1AB9-6FBA-4083-83EF-C28E20606D44}" type="slidenum">
               <a:rPr lang="zh-CN" altLang="en-US" smtClean="0"/>
               <a:t>‹#›</a:t>
             </a:fld>
@@ -2438,7 +2438,7 @@
     </p:spTree>
     <p:extLst>
       <p:ext uri="{BB962C8B-B14F-4D97-AF65-F5344CB8AC3E}">
-        <p14:creationId xmlns:p14="http://schemas.microsoft.com/office/powerpoint/2010/main" val="270372221"/>
+        <p14:creationId xmlns:p14="http://schemas.microsoft.com/office/powerpoint/2010/main" val="1112633051"/>
       </p:ext>
     </p:extLst>
   </p:cSld>
@@ -2470,7 +2470,7 @@
           <p:cNvPr id="2" name="标题 1">
             <a:extLst>
               <a:ext uri="{FF2B5EF4-FFF2-40B4-BE49-F238E27FC236}">
-                <a16:creationId xmlns:a16="http://schemas.microsoft.com/office/drawing/2014/main" id="{BB09EC1A-452D-9912-B146-C2C2D6A9DA50}"/>
+                <a16:creationId xmlns:a16="http://schemas.microsoft.com/office/drawing/2014/main" id="{798A4156-2F19-709F-7E53-BD2F6DC0C836}"/>
               </a:ext>
             </a:extLst>
           </p:cNvPr>
@@ -2507,7 +2507,7 @@
           <p:cNvPr id="3" name="图片占位符 2">
             <a:extLst>
               <a:ext uri="{FF2B5EF4-FFF2-40B4-BE49-F238E27FC236}">
-                <a16:creationId xmlns:a16="http://schemas.microsoft.com/office/drawing/2014/main" id="{2F473BC4-84E9-C796-8D88-5F3D7EAB122A}"/>
+                <a16:creationId xmlns:a16="http://schemas.microsoft.com/office/drawing/2014/main" id="{E8AEEB6A-CBFD-5703-00EB-2F6B47083E7A}"/>
               </a:ext>
             </a:extLst>
           </p:cNvPr>
@@ -2574,7 +2574,7 @@
           <p:cNvPr id="4" name="文本占位符 3">
             <a:extLst>
               <a:ext uri="{FF2B5EF4-FFF2-40B4-BE49-F238E27FC236}">
-                <a16:creationId xmlns:a16="http://schemas.microsoft.com/office/drawing/2014/main" id="{B398D939-1A09-E7E9-C008-0B25C4B9A0A3}"/>
+                <a16:creationId xmlns:a16="http://schemas.microsoft.com/office/drawing/2014/main" id="{34847C9C-84EA-D595-4DBD-2EDEB945C507}"/>
               </a:ext>
             </a:extLst>
           </p:cNvPr>
@@ -2645,7 +2645,7 @@
           <p:cNvPr id="5" name="日期占位符 4">
             <a:extLst>
               <a:ext uri="{FF2B5EF4-FFF2-40B4-BE49-F238E27FC236}">
-                <a16:creationId xmlns:a16="http://schemas.microsoft.com/office/drawing/2014/main" id="{22CB850A-8ACD-E6E5-879D-CFFFEDF00D42}"/>
+                <a16:creationId xmlns:a16="http://schemas.microsoft.com/office/drawing/2014/main" id="{3D0968A3-7282-4571-B4D3-E669130E3891}"/>
               </a:ext>
             </a:extLst>
           </p:cNvPr>
@@ -2661,7 +2661,7 @@
           <a:bodyPr/>
           <a:lstStyle/>
           <a:p>
-            <a:fld id="{CF717FDB-0BBE-4525-8D7A-E939E5DBAE03}" type="datetimeFigureOut">
+            <a:fld id="{33EBD808-3CA6-4A49-9D66-320717FDDD41}" type="datetimeFigureOut">
               <a:rPr lang="zh-CN" altLang="en-US" smtClean="0"/>
               <a:t>2024/3/10</a:t>
             </a:fld>
@@ -2674,7 +2674,7 @@
           <p:cNvPr id="6" name="页脚占位符 5">
             <a:extLst>
               <a:ext uri="{FF2B5EF4-FFF2-40B4-BE49-F238E27FC236}">
-                <a16:creationId xmlns:a16="http://schemas.microsoft.com/office/drawing/2014/main" id="{185D58E9-CAA3-4F76-48E7-8F30C850A0BE}"/>
+                <a16:creationId xmlns:a16="http://schemas.microsoft.com/office/drawing/2014/main" id="{2ECBFDFE-E1A2-318A-ACEB-E78B7A12EE17}"/>
               </a:ext>
             </a:extLst>
           </p:cNvPr>
@@ -2699,7 +2699,7 @@
           <p:cNvPr id="7" name="灯片编号占位符 6">
             <a:extLst>
               <a:ext uri="{FF2B5EF4-FFF2-40B4-BE49-F238E27FC236}">
-                <a16:creationId xmlns:a16="http://schemas.microsoft.com/office/drawing/2014/main" id="{5EB3AED7-D8E4-10A9-BFF3-5C820EC1B4F2}"/>
+                <a16:creationId xmlns:a16="http://schemas.microsoft.com/office/drawing/2014/main" id="{ED8E82D5-6BB6-F487-B4D3-28542E9459A1}"/>
               </a:ext>
             </a:extLst>
           </p:cNvPr>
@@ -2715,7 +2715,7 @@
           <a:bodyPr/>
           <a:lstStyle/>
           <a:p>
-            <a:fld id="{B856E406-E4B2-4FE2-9753-42377879A678}" type="slidenum">
+            <a:fld id="{A58D1AB9-6FBA-4083-83EF-C28E20606D44}" type="slidenum">
               <a:rPr lang="zh-CN" altLang="en-US" smtClean="0"/>
               <a:t>‹#›</a:t>
             </a:fld>
@@ -2726,7 +2726,7 @@
     </p:spTree>
     <p:extLst>
       <p:ext uri="{BB962C8B-B14F-4D97-AF65-F5344CB8AC3E}">
-        <p14:creationId xmlns:p14="http://schemas.microsoft.com/office/powerpoint/2010/main" val="3995992582"/>
+        <p14:creationId xmlns:p14="http://schemas.microsoft.com/office/powerpoint/2010/main" val="173021686"/>
       </p:ext>
     </p:extLst>
   </p:cSld>
@@ -2763,7 +2763,7 @@
           <p:cNvPr id="2" name="标题占位符 1">
             <a:extLst>
               <a:ext uri="{FF2B5EF4-FFF2-40B4-BE49-F238E27FC236}">
-                <a16:creationId xmlns:a16="http://schemas.microsoft.com/office/drawing/2014/main" id="{3065B741-D57A-17E2-2707-BCB2FBA52960}"/>
+                <a16:creationId xmlns:a16="http://schemas.microsoft.com/office/drawing/2014/main" id="{EB5938BA-495D-7C83-749C-DB60357C0AC1}"/>
               </a:ext>
             </a:extLst>
           </p:cNvPr>
@@ -2801,7 +2801,7 @@
           <p:cNvPr id="3" name="文本占位符 2">
             <a:extLst>
               <a:ext uri="{FF2B5EF4-FFF2-40B4-BE49-F238E27FC236}">
-                <a16:creationId xmlns:a16="http://schemas.microsoft.com/office/drawing/2014/main" id="{7FC4A6DC-AE31-6921-4E6E-07A8C26AC946}"/>
+                <a16:creationId xmlns:a16="http://schemas.microsoft.com/office/drawing/2014/main" id="{34831FB2-231F-E2EA-F118-883900E6182B}"/>
               </a:ext>
             </a:extLst>
           </p:cNvPr>
@@ -2868,7 +2868,7 @@
           <p:cNvPr id="4" name="日期占位符 3">
             <a:extLst>
               <a:ext uri="{FF2B5EF4-FFF2-40B4-BE49-F238E27FC236}">
-                <a16:creationId xmlns:a16="http://schemas.microsoft.com/office/drawing/2014/main" id="{AC42CA41-D8B1-25E2-49BA-9E116AA06CCA}"/>
+                <a16:creationId xmlns:a16="http://schemas.microsoft.com/office/drawing/2014/main" id="{6517C00B-5450-0DA1-CB19-F55F5B5ED3BA}"/>
               </a:ext>
             </a:extLst>
           </p:cNvPr>
@@ -2902,7 +2902,7 @@
             </a:lvl1pPr>
           </a:lstStyle>
           <a:p>
-            <a:fld id="{CF717FDB-0BBE-4525-8D7A-E939E5DBAE03}" type="datetimeFigureOut">
+            <a:fld id="{33EBD808-3CA6-4A49-9D66-320717FDDD41}" type="datetimeFigureOut">
               <a:rPr lang="zh-CN" altLang="en-US" smtClean="0"/>
               <a:t>2024/3/10</a:t>
             </a:fld>
@@ -2915,7 +2915,7 @@
           <p:cNvPr id="5" name="页脚占位符 4">
             <a:extLst>
               <a:ext uri="{FF2B5EF4-FFF2-40B4-BE49-F238E27FC236}">
-                <a16:creationId xmlns:a16="http://schemas.microsoft.com/office/drawing/2014/main" id="{18C61F0E-FD64-CCD6-E024-58686568EA74}"/>
+                <a16:creationId xmlns:a16="http://schemas.microsoft.com/office/drawing/2014/main" id="{79E5B287-312B-D662-0E8A-D6044DB960CA}"/>
               </a:ext>
             </a:extLst>
           </p:cNvPr>
@@ -2958,7 +2958,7 @@
           <p:cNvPr id="6" name="灯片编号占位符 5">
             <a:extLst>
               <a:ext uri="{FF2B5EF4-FFF2-40B4-BE49-F238E27FC236}">
-                <a16:creationId xmlns:a16="http://schemas.microsoft.com/office/drawing/2014/main" id="{79A792C2-6B01-1CB2-B5BE-B179343423E4}"/>
+                <a16:creationId xmlns:a16="http://schemas.microsoft.com/office/drawing/2014/main" id="{00A96F31-8FC7-9134-3DC9-BB4DE0C3329B}"/>
               </a:ext>
             </a:extLst>
           </p:cNvPr>
@@ -2992,7 +2992,7 @@
             </a:lvl1pPr>
           </a:lstStyle>
           <a:p>
-            <a:fld id="{B856E406-E4B2-4FE2-9753-42377879A678}" type="slidenum">
+            <a:fld id="{A58D1AB9-6FBA-4083-83EF-C28E20606D44}" type="slidenum">
               <a:rPr lang="zh-CN" altLang="en-US" smtClean="0"/>
               <a:t>‹#›</a:t>
             </a:fld>
@@ -3003,7 +3003,7 @@
     </p:spTree>
     <p:extLst>
       <p:ext uri="{BB962C8B-B14F-4D97-AF65-F5344CB8AC3E}">
-        <p14:creationId xmlns:p14="http://schemas.microsoft.com/office/powerpoint/2010/main" val="626026266"/>
+        <p14:creationId xmlns:p14="http://schemas.microsoft.com/office/powerpoint/2010/main" val="137277489"/>
       </p:ext>
     </p:extLst>
   </p:cSld>
@@ -3323,7 +3323,7 @@
       </p:grpSpPr>
       <p:pic>
         <p:nvPicPr>
-          <p:cNvPr id="245762" name="Picture 2" descr="239"/>
+          <p:cNvPr id="246786" name="Picture 2" descr="240"/>
           <p:cNvPicPr>
             <a:picLocks noChangeAspect="1" noChangeArrowheads="1"/>
           </p:cNvPicPr>
